--- a/Slides/1014Recitation.pptx
+++ b/Slides/1014Recitation.pptx
@@ -219,7 +219,7 @@
           <a:p>
             <a:fld id="{4B2C3995-10D3-7249-9CF2-C18001382AD9}" type="datetimeFigureOut">
               <a:rPr lang="en-US" smtClean="0"/>
-              <a:t>10/13/21</a:t>
+              <a:t>10/14/21</a:t>
             </a:fld>
             <a:endParaRPr lang="en-US"/>
           </a:p>
@@ -1512,7 +1512,7 @@
           <a:p>
             <a:fld id="{4AAD347D-5ACD-4C99-B74B-A9C85AD731AF}" type="datetimeFigureOut">
               <a:rPr lang="en-US" dirty="0"/>
-              <a:t>10/13/21</a:t>
+              <a:t>10/14/21</a:t>
             </a:fld>
             <a:endParaRPr lang="en-US" dirty="0"/>
           </a:p>
@@ -1782,7 +1782,7 @@
           <a:p>
             <a:fld id="{4509A250-FF31-4206-8172-F9D3106AACB1}" type="datetimeFigureOut">
               <a:rPr lang="en-US" dirty="0"/>
-              <a:t>10/13/21</a:t>
+              <a:t>10/14/21</a:t>
             </a:fld>
             <a:endParaRPr lang="en-US" dirty="0"/>
           </a:p>
@@ -1971,7 +1971,7 @@
           <a:p>
             <a:fld id="{4509A250-FF31-4206-8172-F9D3106AACB1}" type="datetimeFigureOut">
               <a:rPr lang="en-US" dirty="0"/>
-              <a:t>10/13/21</a:t>
+              <a:t>10/14/21</a:t>
             </a:fld>
             <a:endParaRPr lang="en-US" dirty="0"/>
           </a:p>
@@ -2239,7 +2239,7 @@
           <a:p>
             <a:fld id="{4509A250-FF31-4206-8172-F9D3106AACB1}" type="datetimeFigureOut">
               <a:rPr lang="en-US" dirty="0"/>
-              <a:t>10/13/21</a:t>
+              <a:t>10/14/21</a:t>
             </a:fld>
             <a:endParaRPr lang="en-US" dirty="0"/>
           </a:p>
@@ -2575,7 +2575,7 @@
           <a:p>
             <a:fld id="{4509A250-FF31-4206-8172-F9D3106AACB1}" type="datetimeFigureOut">
               <a:rPr lang="en-US" dirty="0"/>
-              <a:t>10/13/21</a:t>
+              <a:t>10/14/21</a:t>
             </a:fld>
             <a:endParaRPr lang="en-US" dirty="0"/>
           </a:p>
@@ -3193,7 +3193,7 @@
           <a:p>
             <a:fld id="{4509A250-FF31-4206-8172-F9D3106AACB1}" type="datetimeFigureOut">
               <a:rPr lang="en-US" dirty="0"/>
-              <a:t>10/13/21</a:t>
+              <a:t>10/14/21</a:t>
             </a:fld>
             <a:endParaRPr lang="en-US" dirty="0"/>
           </a:p>
@@ -4048,7 +4048,7 @@
           <a:p>
             <a:fld id="{4509A250-FF31-4206-8172-F9D3106AACB1}" type="datetimeFigureOut">
               <a:rPr lang="en-US" dirty="0"/>
-              <a:t>10/13/21</a:t>
+              <a:t>10/14/21</a:t>
             </a:fld>
             <a:endParaRPr lang="en-US" dirty="0"/>
           </a:p>
@@ -4213,7 +4213,7 @@
           <a:p>
             <a:fld id="{4509A250-FF31-4206-8172-F9D3106AACB1}" type="datetimeFigureOut">
               <a:rPr lang="en-US" dirty="0"/>
-              <a:t>10/13/21</a:t>
+              <a:t>10/14/21</a:t>
             </a:fld>
             <a:endParaRPr lang="en-US" dirty="0"/>
           </a:p>
@@ -4388,7 +4388,7 @@
           <a:p>
             <a:fld id="{4509A250-FF31-4206-8172-F9D3106AACB1}" type="datetimeFigureOut">
               <a:rPr lang="en-US" dirty="0"/>
-              <a:t>10/13/21</a:t>
+              <a:t>10/14/21</a:t>
             </a:fld>
             <a:endParaRPr lang="en-US" dirty="0"/>
           </a:p>
@@ -4553,7 +4553,7 @@
           <a:p>
             <a:fld id="{4509A250-FF31-4206-8172-F9D3106AACB1}" type="datetimeFigureOut">
               <a:rPr lang="en-US" dirty="0"/>
-              <a:t>10/13/21</a:t>
+              <a:t>10/14/21</a:t>
             </a:fld>
             <a:endParaRPr lang="en-US" dirty="0"/>
           </a:p>
@@ -4795,7 +4795,7 @@
           <a:p>
             <a:fld id="{9796027F-7875-4030-9381-8BD8C4F21935}" type="datetimeFigureOut">
               <a:rPr lang="en-US" dirty="0"/>
-              <a:t>10/13/21</a:t>
+              <a:t>10/14/21</a:t>
             </a:fld>
             <a:endParaRPr lang="en-US" dirty="0"/>
           </a:p>
@@ -5082,7 +5082,7 @@
           <a:p>
             <a:fld id="{9796027F-7875-4030-9381-8BD8C4F21935}" type="datetimeFigureOut">
               <a:rPr lang="en-US" dirty="0"/>
-              <a:t>10/13/21</a:t>
+              <a:t>10/14/21</a:t>
             </a:fld>
             <a:endParaRPr lang="en-US" dirty="0"/>
           </a:p>
@@ -5521,7 +5521,7 @@
           <a:p>
             <a:fld id="{9796027F-7875-4030-9381-8BD8C4F21935}" type="datetimeFigureOut">
               <a:rPr lang="en-US" dirty="0"/>
-              <a:t>10/13/21</a:t>
+              <a:t>10/14/21</a:t>
             </a:fld>
             <a:endParaRPr lang="en-US" dirty="0"/>
           </a:p>
@@ -5634,7 +5634,7 @@
           <a:p>
             <a:fld id="{4509A250-FF31-4206-8172-F9D3106AACB1}" type="datetimeFigureOut">
               <a:rPr lang="en-US" dirty="0"/>
-              <a:t>10/13/21</a:t>
+              <a:t>10/14/21</a:t>
             </a:fld>
             <a:endParaRPr lang="en-US" dirty="0"/>
           </a:p>
@@ -5724,7 +5724,7 @@
           <a:p>
             <a:fld id="{4509A250-FF31-4206-8172-F9D3106AACB1}" type="datetimeFigureOut">
               <a:rPr lang="en-US" dirty="0"/>
-              <a:t>10/13/21</a:t>
+              <a:t>10/14/21</a:t>
             </a:fld>
             <a:endParaRPr lang="en-US" dirty="0"/>
           </a:p>
@@ -5998,7 +5998,7 @@
           <a:p>
             <a:fld id="{4509A250-FF31-4206-8172-F9D3106AACB1}" type="datetimeFigureOut">
               <a:rPr lang="en-US" dirty="0"/>
-              <a:t>10/13/21</a:t>
+              <a:t>10/14/21</a:t>
             </a:fld>
             <a:endParaRPr lang="en-US" dirty="0"/>
           </a:p>
@@ -6268,7 +6268,7 @@
           <a:p>
             <a:fld id="{4509A250-FF31-4206-8172-F9D3106AACB1}" type="datetimeFigureOut">
               <a:rPr lang="en-US" dirty="0"/>
-              <a:t>10/13/21</a:t>
+              <a:t>10/14/21</a:t>
             </a:fld>
             <a:endParaRPr lang="en-US" dirty="0"/>
           </a:p>
@@ -6692,7 +6692,7 @@
           <a:p>
             <a:fld id="{4AAD347D-5ACD-4C99-B74B-A9C85AD731AF}" type="datetimeFigureOut">
               <a:rPr lang="en-US" dirty="0"/>
-              <a:t>10/13/21</a:t>
+              <a:t>10/14/21</a:t>
             </a:fld>
             <a:endParaRPr lang="en-US" dirty="0"/>
           </a:p>
@@ -9175,8 +9175,8 @@
           <a:lstStyle/>
           <a:p>
             <a:r>
-              <a:rPr lang="en-US" dirty="0"/>
-              <a:t>Lab 6</a:t>
+              <a:rPr lang="en-US"/>
+              <a:t>Lab 6 (Due 10/20 at 11:59PM)</a:t>
             </a:r>
             <a:endParaRPr lang="en-US" sz="2800" dirty="0"/>
           </a:p>

--- a/Slides/1014Recitation.pptx
+++ b/Slides/1014Recitation.pptx
@@ -9389,7 +9389,7 @@
               <a:rPr lang="en-US" dirty="0">
                 <a:hlinkClick r:id="rId2"/>
               </a:rPr>
-              <a:t>https://discord.gg/23weGMFk</a:t>
+              <a:t>https://discord.gg/H2Ugbr63</a:t>
             </a:r>
             <a:endParaRPr lang="en-US" dirty="0"/>
           </a:p>

--- a/Slides/1014Recitation.pptx
+++ b/Slides/1014Recitation.pptx
@@ -7279,9 +7279,10 @@
           </a:p>
           <a:p>
             <a:r>
-              <a:rPr lang="en-US" dirty="0"/>
+              <a:rPr lang="en-US"/>
               <a:t>Michael Bartlett</a:t>
             </a:r>
+            <a:endParaRPr lang="en-US" dirty="0"/>
           </a:p>
         </p:txBody>
       </p:sp>
@@ -8610,9 +8611,10 @@
           <a:lstStyle/>
           <a:p>
             <a:r>
-              <a:rPr lang="en-US" dirty="0"/>
-              <a:t>Multidimensional Arrays</a:t>
-            </a:r>
+              <a:rPr lang="en-US" dirty="0" err="1"/>
+              <a:t>ArrayLists</a:t>
+            </a:r>
+            <a:endParaRPr lang="en-US" dirty="0"/>
           </a:p>
         </p:txBody>
       </p:sp>
